--- a/Howard_FinalPresentation.pptx
+++ b/Howard_FinalPresentation.pptx
@@ -129,6 +129,10 @@
 </p:presentation>
 </file>
 
+<file path=ppt/revisionInfo.xml><?xml version="1.0" encoding="utf-8"?>
+<p1510:revInfo xmlns:a="http://schemas.openxmlformats.org/drawingml/2006/main" xmlns:r="http://schemas.openxmlformats.org/officeDocument/2006/relationships" xmlns:p1510="http://schemas.microsoft.com/office/powerpoint/2015/10/main"/>
+</file>
+
 <file path=ppt/slideLayouts/slideLayout1.xml><?xml version="1.0" encoding="utf-8"?>
 <p:sldLayout xmlns:a="http://schemas.openxmlformats.org/drawingml/2006/main" xmlns:r="http://schemas.openxmlformats.org/officeDocument/2006/relationships" xmlns:p="http://schemas.openxmlformats.org/presentationml/2006/main" type="title" preserve="1">
   <p:cSld name="Title Slide">
@@ -276,7 +280,7 @@
           <a:p>
             <a:fld id="{4BD63F46-9D96-4EC7-B2B0-8BD7AFA085ED}" type="datetimeFigureOut">
               <a:rPr lang="en-US" smtClean="0"/>
-              <a:t>11/28/2017</a:t>
+              <a:t>12/7/2017</a:t>
             </a:fld>
             <a:endParaRPr lang="en-US"/>
           </a:p>
@@ -474,7 +478,7 @@
           <a:p>
             <a:fld id="{4BD63F46-9D96-4EC7-B2B0-8BD7AFA085ED}" type="datetimeFigureOut">
               <a:rPr lang="en-US" smtClean="0"/>
-              <a:t>11/28/2017</a:t>
+              <a:t>12/7/2017</a:t>
             </a:fld>
             <a:endParaRPr lang="en-US"/>
           </a:p>
@@ -682,7 +686,7 @@
           <a:p>
             <a:fld id="{4BD63F46-9D96-4EC7-B2B0-8BD7AFA085ED}" type="datetimeFigureOut">
               <a:rPr lang="en-US" smtClean="0"/>
-              <a:t>11/28/2017</a:t>
+              <a:t>12/7/2017</a:t>
             </a:fld>
             <a:endParaRPr lang="en-US"/>
           </a:p>
@@ -880,7 +884,7 @@
           <a:p>
             <a:fld id="{4BD63F46-9D96-4EC7-B2B0-8BD7AFA085ED}" type="datetimeFigureOut">
               <a:rPr lang="en-US" smtClean="0"/>
-              <a:t>11/28/2017</a:t>
+              <a:t>12/7/2017</a:t>
             </a:fld>
             <a:endParaRPr lang="en-US"/>
           </a:p>
@@ -1155,7 +1159,7 @@
           <a:p>
             <a:fld id="{4BD63F46-9D96-4EC7-B2B0-8BD7AFA085ED}" type="datetimeFigureOut">
               <a:rPr lang="en-US" smtClean="0"/>
-              <a:t>11/28/2017</a:t>
+              <a:t>12/7/2017</a:t>
             </a:fld>
             <a:endParaRPr lang="en-US"/>
           </a:p>
@@ -1420,7 +1424,7 @@
           <a:p>
             <a:fld id="{4BD63F46-9D96-4EC7-B2B0-8BD7AFA085ED}" type="datetimeFigureOut">
               <a:rPr lang="en-US" smtClean="0"/>
-              <a:t>11/28/2017</a:t>
+              <a:t>12/7/2017</a:t>
             </a:fld>
             <a:endParaRPr lang="en-US"/>
           </a:p>
@@ -1832,7 +1836,7 @@
           <a:p>
             <a:fld id="{4BD63F46-9D96-4EC7-B2B0-8BD7AFA085ED}" type="datetimeFigureOut">
               <a:rPr lang="en-US" smtClean="0"/>
-              <a:t>11/28/2017</a:t>
+              <a:t>12/7/2017</a:t>
             </a:fld>
             <a:endParaRPr lang="en-US"/>
           </a:p>
@@ -1973,7 +1977,7 @@
           <a:p>
             <a:fld id="{4BD63F46-9D96-4EC7-B2B0-8BD7AFA085ED}" type="datetimeFigureOut">
               <a:rPr lang="en-US" smtClean="0"/>
-              <a:t>11/28/2017</a:t>
+              <a:t>12/7/2017</a:t>
             </a:fld>
             <a:endParaRPr lang="en-US"/>
           </a:p>
@@ -2086,7 +2090,7 @@
           <a:p>
             <a:fld id="{4BD63F46-9D96-4EC7-B2B0-8BD7AFA085ED}" type="datetimeFigureOut">
               <a:rPr lang="en-US" smtClean="0"/>
-              <a:t>11/28/2017</a:t>
+              <a:t>12/7/2017</a:t>
             </a:fld>
             <a:endParaRPr lang="en-US"/>
           </a:p>
@@ -2397,7 +2401,7 @@
           <a:p>
             <a:fld id="{4BD63F46-9D96-4EC7-B2B0-8BD7AFA085ED}" type="datetimeFigureOut">
               <a:rPr lang="en-US" smtClean="0"/>
-              <a:t>11/28/2017</a:t>
+              <a:t>12/7/2017</a:t>
             </a:fld>
             <a:endParaRPr lang="en-US"/>
           </a:p>
@@ -2685,7 +2689,7 @@
           <a:p>
             <a:fld id="{4BD63F46-9D96-4EC7-B2B0-8BD7AFA085ED}" type="datetimeFigureOut">
               <a:rPr lang="en-US" smtClean="0"/>
-              <a:t>11/28/2017</a:t>
+              <a:t>12/7/2017</a:t>
             </a:fld>
             <a:endParaRPr lang="en-US"/>
           </a:p>
@@ -2926,7 +2930,7 @@
           <a:p>
             <a:fld id="{4BD63F46-9D96-4EC7-B2B0-8BD7AFA085ED}" type="datetimeFigureOut">
               <a:rPr lang="en-US" smtClean="0"/>
-              <a:t>11/28/2017</a:t>
+              <a:t>12/7/2017</a:t>
             </a:fld>
             <a:endParaRPr lang="en-US"/>
           </a:p>
@@ -4189,8 +4193,8 @@
           </a:p>
         </p:txBody>
       </p:sp>
-      <mc:AlternateContent xmlns:mc="http://schemas.openxmlformats.org/markup-compatibility/2006">
-        <mc:Choice xmlns:a14="http://schemas.microsoft.com/office/drawing/2010/main" Requires="a14">
+      <mc:AlternateContent xmlns:mc="http://schemas.openxmlformats.org/markup-compatibility/2006" xmlns:a14="http://schemas.microsoft.com/office/drawing/2010/main">
+        <mc:Choice Requires="a14">
           <p:sp>
             <p:nvSpPr>
               <p:cNvPr id="8" name="TextBox 7">
@@ -4219,6 +4223,7 @@
               </a:bodyPr>
               <a:lstStyle/>
               <a:p>
+                <a:pPr/>
                 <a14:m>
                   <m:oMathPara xmlns:m="http://schemas.openxmlformats.org/officeDocument/2006/math">
                     <m:oMathParaPr>
@@ -4354,7 +4359,7 @@
             </p:txBody>
           </p:sp>
         </mc:Choice>
-        <mc:Fallback>
+        <mc:Fallback xmlns="">
           <p:sp>
             <p:nvSpPr>
               <p:cNvPr id="8" name="TextBox 7">
@@ -4827,7 +4832,7 @@
         </p:blipFill>
         <p:spPr>
           <a:xfrm>
-            <a:off x="6680534" y="3609474"/>
+            <a:off x="6620375" y="3621506"/>
             <a:ext cx="4755983" cy="3153362"/>
           </a:xfrm>
           <a:prstGeom prst="rect">
